--- a/slides/triads-ris-workshop-day-2.pptx
+++ b/slides/triads-ris-workshop-day-2.pptx
@@ -220,7 +220,7 @@
           <a:p>
             <a:fld id="{0EB23CB4-0EBB-7E43-AEC8-D5ADDA650247}" type="datetimeFigureOut">
               <a:rPr lang="en-US" smtClean="0"/>
-              <a:t>11/7/24</a:t>
+              <a:t>11/12/24</a:t>
             </a:fld>
             <a:endParaRPr lang="en-US"/>
           </a:p>
@@ -1474,7 +1474,7 @@
           <a:p>
             <a:fld id="{2B281CE9-E0DF-2844-850D-DF93F0722CA0}" type="datetimeFigureOut">
               <a:rPr lang="en-US" smtClean="0"/>
-              <a:t>11/7/24</a:t>
+              <a:t>11/12/24</a:t>
             </a:fld>
             <a:endParaRPr lang="en-US"/>
           </a:p>
@@ -1672,7 +1672,7 @@
           <a:p>
             <a:fld id="{2B281CE9-E0DF-2844-850D-DF93F0722CA0}" type="datetimeFigureOut">
               <a:rPr lang="en-US" smtClean="0"/>
-              <a:t>11/7/24</a:t>
+              <a:t>11/12/24</a:t>
             </a:fld>
             <a:endParaRPr lang="en-US"/>
           </a:p>
@@ -1880,7 +1880,7 @@
           <a:p>
             <a:fld id="{2B281CE9-E0DF-2844-850D-DF93F0722CA0}" type="datetimeFigureOut">
               <a:rPr lang="en-US" smtClean="0"/>
-              <a:t>11/7/24</a:t>
+              <a:t>11/12/24</a:t>
             </a:fld>
             <a:endParaRPr lang="en-US"/>
           </a:p>
@@ -2078,7 +2078,7 @@
           <a:p>
             <a:fld id="{2B281CE9-E0DF-2844-850D-DF93F0722CA0}" type="datetimeFigureOut">
               <a:rPr lang="en-US" smtClean="0"/>
-              <a:t>11/7/24</a:t>
+              <a:t>11/12/24</a:t>
             </a:fld>
             <a:endParaRPr lang="en-US"/>
           </a:p>
@@ -2353,7 +2353,7 @@
           <a:p>
             <a:fld id="{2B281CE9-E0DF-2844-850D-DF93F0722CA0}" type="datetimeFigureOut">
               <a:rPr lang="en-US" smtClean="0"/>
-              <a:t>11/7/24</a:t>
+              <a:t>11/12/24</a:t>
             </a:fld>
             <a:endParaRPr lang="en-US"/>
           </a:p>
@@ -2618,7 +2618,7 @@
           <a:p>
             <a:fld id="{2B281CE9-E0DF-2844-850D-DF93F0722CA0}" type="datetimeFigureOut">
               <a:rPr lang="en-US" smtClean="0"/>
-              <a:t>11/7/24</a:t>
+              <a:t>11/12/24</a:t>
             </a:fld>
             <a:endParaRPr lang="en-US"/>
           </a:p>
@@ -3030,7 +3030,7 @@
           <a:p>
             <a:fld id="{2B281CE9-E0DF-2844-850D-DF93F0722CA0}" type="datetimeFigureOut">
               <a:rPr lang="en-US" smtClean="0"/>
-              <a:t>11/7/24</a:t>
+              <a:t>11/12/24</a:t>
             </a:fld>
             <a:endParaRPr lang="en-US"/>
           </a:p>
@@ -3171,7 +3171,7 @@
           <a:p>
             <a:fld id="{2B281CE9-E0DF-2844-850D-DF93F0722CA0}" type="datetimeFigureOut">
               <a:rPr lang="en-US" smtClean="0"/>
-              <a:t>11/7/24</a:t>
+              <a:t>11/12/24</a:t>
             </a:fld>
             <a:endParaRPr lang="en-US"/>
           </a:p>
@@ -3284,7 +3284,7 @@
           <a:p>
             <a:fld id="{2B281CE9-E0DF-2844-850D-DF93F0722CA0}" type="datetimeFigureOut">
               <a:rPr lang="en-US" smtClean="0"/>
-              <a:t>11/7/24</a:t>
+              <a:t>11/12/24</a:t>
             </a:fld>
             <a:endParaRPr lang="en-US"/>
           </a:p>
@@ -3595,7 +3595,7 @@
           <a:p>
             <a:fld id="{2B281CE9-E0DF-2844-850D-DF93F0722CA0}" type="datetimeFigureOut">
               <a:rPr lang="en-US" smtClean="0"/>
-              <a:t>11/7/24</a:t>
+              <a:t>11/12/24</a:t>
             </a:fld>
             <a:endParaRPr lang="en-US"/>
           </a:p>
@@ -3883,7 +3883,7 @@
           <a:p>
             <a:fld id="{2B281CE9-E0DF-2844-850D-DF93F0722CA0}" type="datetimeFigureOut">
               <a:rPr lang="en-US" smtClean="0"/>
-              <a:t>11/7/24</a:t>
+              <a:t>11/12/24</a:t>
             </a:fld>
             <a:endParaRPr lang="en-US"/>
           </a:p>
@@ -4124,7 +4124,7 @@
           <a:p>
             <a:fld id="{2B281CE9-E0DF-2844-850D-DF93F0722CA0}" type="datetimeFigureOut">
               <a:rPr lang="en-US" smtClean="0"/>
-              <a:t>11/7/24</a:t>
+              <a:t>11/12/24</a:t>
             </a:fld>
             <a:endParaRPr lang="en-US"/>
           </a:p>
@@ -5628,19 +5628,11 @@
             </a:r>
             <a:r>
               <a:rPr lang="en-US" dirty="0"/>
-              <a:t>)" </a:t>
+              <a:t>)" python basic-</a:t>
             </a:r>
             <a:r>
               <a:rPr lang="en-US" dirty="0" err="1"/>
-              <a:t>Rscript</a:t>
-            </a:r>
-            <a:r>
-              <a:rPr lang="en-US" dirty="0"/>
-              <a:t> basic-</a:t>
-            </a:r>
-            <a:r>
-              <a:rPr lang="en-US" dirty="0" err="1"/>
-              <a:t>r.R</a:t>
+              <a:t>python.py</a:t>
             </a:r>
             <a:endParaRPr lang="en-US" dirty="0"/>
           </a:p>
